--- a/20210615-EEGLAB_workshop.pptx
+++ b/20210615-EEGLAB_workshop.pptx
@@ -5,10 +5,10 @@
     <p:sldMasterId id="2147483763" r:id="rId1"/>
   </p:sldMasterIdLst>
   <p:notesMasterIdLst>
-    <p:notesMasterId r:id="rId17"/>
+    <p:notesMasterId r:id="rId19"/>
   </p:notesMasterIdLst>
   <p:handoutMasterIdLst>
-    <p:handoutMasterId r:id="rId18"/>
+    <p:handoutMasterId r:id="rId20"/>
   </p:handoutMasterIdLst>
   <p:sldIdLst>
     <p:sldId id="257" r:id="rId2"/>
@@ -24,8 +24,10 @@
     <p:sldId id="268" r:id="rId12"/>
     <p:sldId id="269" r:id="rId13"/>
     <p:sldId id="270" r:id="rId14"/>
-    <p:sldId id="272" r:id="rId15"/>
-    <p:sldId id="271" r:id="rId16"/>
+    <p:sldId id="271" r:id="rId15"/>
+    <p:sldId id="272" r:id="rId16"/>
+    <p:sldId id="273" r:id="rId17"/>
+    <p:sldId id="274" r:id="rId18"/>
   </p:sldIdLst>
   <p:sldSz cx="12192000" cy="6858000"/>
   <p:notesSz cx="6858000" cy="9144000"/>
@@ -142,8 +144,10 @@
             <p14:sldId id="268"/>
             <p14:sldId id="269"/>
             <p14:sldId id="270"/>
+            <p14:sldId id="271"/>
             <p14:sldId id="272"/>
-            <p14:sldId id="271"/>
+            <p14:sldId id="273"/>
+            <p14:sldId id="274"/>
           </p14:sldIdLst>
         </p14:section>
       </p14:sectionLst>
@@ -4053,6 +4057,44 @@
           </a:prstGeom>
         </p:spPr>
       </p:pic>
+      <p:sp>
+        <p:nvSpPr>
+          <p:cNvPr id="2" name="TextBox 1">
+            <a:extLst>
+              <a:ext uri="{FF2B5EF4-FFF2-40B4-BE49-F238E27FC236}">
+                <a16:creationId xmlns:a16="http://schemas.microsoft.com/office/drawing/2014/main" id="{2D0DFCE5-916E-4FAC-91EE-14A473F531C0}"/>
+              </a:ext>
+            </a:extLst>
+          </p:cNvPr>
+          <p:cNvSpPr txBox="1"/>
+          <p:nvPr/>
+        </p:nvSpPr>
+        <p:spPr>
+          <a:xfrm>
+            <a:off x="9664055" y="6232272"/>
+            <a:ext cx="2131866" cy="369332"/>
+          </a:xfrm>
+          <a:prstGeom prst="rect">
+            <a:avLst/>
+          </a:prstGeom>
+          <a:noFill/>
+        </p:spPr>
+        <p:txBody>
+          <a:bodyPr wrap="none" rtlCol="0">
+            <a:spAutoFit/>
+          </a:bodyPr>
+          <a:lstStyle/>
+          <a:p>
+            <a:r>
+              <a:rPr lang="en-US" dirty="0">
+                <a:hlinkClick r:id="rId3"/>
+              </a:rPr>
+              <a:t>www.diademics.com</a:t>
+            </a:r>
+            <a:endParaRPr lang="en-AU" dirty="0"/>
+          </a:p>
+        </p:txBody>
+      </p:sp>
     </p:spTree>
     <p:extLst>
       <p:ext uri="{BB962C8B-B14F-4D97-AF65-F5344CB8AC3E}">
@@ -4900,7 +4942,7 @@
           <a:p>
             <a:r>
               <a:rPr lang="en-US" dirty="0"/>
-              <a:t>Links </a:t>
+              <a:t>A Note on EEGLAB and XDF</a:t>
             </a:r>
             <a:endParaRPr lang="en-DE" dirty="0"/>
           </a:p>
@@ -4922,58 +4964,67 @@
             <p:ph idx="1"/>
           </p:nvPr>
         </p:nvSpPr>
-        <p:spPr>
-          <a:xfrm>
-            <a:off x="838200" y="1801562"/>
-            <a:ext cx="10515600" cy="4351338"/>
-          </a:xfrm>
-        </p:spPr>
-        <p:txBody>
-          <a:bodyPr>
-            <a:normAutofit/>
-          </a:bodyPr>
+        <p:spPr/>
+        <p:txBody>
+          <a:bodyPr/>
           <a:lstStyle/>
           <a:p>
             <a:r>
-              <a:rPr lang="en-US" sz="2200" dirty="0">
-                <a:latin typeface="Univers" panose="020B0503020202020204" pitchFamily="34" charset="0"/>
-                <a:cs typeface="Courier New" panose="02070309020205020404" pitchFamily="49" charset="0"/>
-              </a:rPr>
-              <a:t>All material from this presentation is available on </a:t>
-            </a:r>
-            <a:r>
-              <a:rPr lang="en-US" sz="2200" dirty="0" err="1">
-                <a:latin typeface="Univers" panose="020B0503020202020204" pitchFamily="34" charset="0"/>
-                <a:cs typeface="Courier New" panose="02070309020205020404" pitchFamily="49" charset="0"/>
-              </a:rPr>
-              <a:t>github</a:t>
-            </a:r>
-            <a:r>
-              <a:rPr lang="en-US" sz="2200" dirty="0">
-                <a:latin typeface="Univers" panose="020B0503020202020204" pitchFamily="34" charset="0"/>
-                <a:cs typeface="Courier New" panose="02070309020205020404" pitchFamily="49" charset="0"/>
-              </a:rPr>
-              <a:t>:</a:t>
-            </a:r>
-          </a:p>
-          <a:p>
-            <a:r>
-              <a:rPr lang="en-US" sz="2200" dirty="0">
-                <a:latin typeface="Univers" panose="020B0503020202020204" pitchFamily="34" charset="0"/>
-                <a:cs typeface="Courier New" panose="02070309020205020404" pitchFamily="49" charset="0"/>
-              </a:rPr>
-              <a:t>Clement is also uploading everyone’s slides---but I don’t </a:t>
-            </a:r>
-            <a:r>
-              <a:rPr lang="en-US" sz="2200">
-                <a:latin typeface="Univers" panose="020B0503020202020204" pitchFamily="34" charset="0"/>
-                <a:cs typeface="Courier New" panose="02070309020205020404" pitchFamily="49" charset="0"/>
-              </a:rPr>
-              <a:t>know where?</a:t>
-            </a:r>
-            <a:endParaRPr lang="en-DE" sz="2200" dirty="0">
+              <a:rPr lang="en-US" dirty="0">
+                <a:latin typeface="Univers" panose="020B0503020202020204" pitchFamily="34" charset="0"/>
+              </a:rPr>
+              <a:t>EEGLAB does not ship with an XDF reader, but it is a downloadable extension (File-&gt;Manage EEGLAB extensions-&gt;Search for ‘</a:t>
+            </a:r>
+            <a:r>
+              <a:rPr lang="en-US" dirty="0" err="1">
+                <a:latin typeface="Univers" panose="020B0503020202020204" pitchFamily="34" charset="0"/>
+              </a:rPr>
+              <a:t>xdfimport</a:t>
+            </a:r>
+            <a:r>
+              <a:rPr lang="en-US" dirty="0">
+                <a:latin typeface="Univers" panose="020B0503020202020204" pitchFamily="34" charset="0"/>
+              </a:rPr>
+              <a:t>’)</a:t>
+            </a:r>
+          </a:p>
+          <a:p>
+            <a:r>
+              <a:rPr lang="en-US" dirty="0" err="1">
+                <a:latin typeface="Univers" panose="020B0503020202020204" pitchFamily="34" charset="0"/>
+              </a:rPr>
+              <a:t>XDFImport</a:t>
+            </a:r>
+            <a:r>
+              <a:rPr lang="en-US" dirty="0">
+                <a:latin typeface="Univers" panose="020B0503020202020204" pitchFamily="34" charset="0"/>
+              </a:rPr>
+              <a:t> only loads EEG and Marker streams and will arbitrarily choose one EEG stream in the case of multiple EEG streams in one file.</a:t>
+            </a:r>
+          </a:p>
+          <a:p>
+            <a:r>
+              <a:rPr lang="en-US" dirty="0" err="1">
+                <a:latin typeface="Univers" panose="020B0503020202020204" pitchFamily="34" charset="0"/>
+              </a:rPr>
+              <a:t>XDFImport</a:t>
+            </a:r>
+            <a:r>
+              <a:rPr lang="en-US" dirty="0">
+                <a:latin typeface="Univers" panose="020B0503020202020204" pitchFamily="34" charset="0"/>
+              </a:rPr>
+              <a:t> keeps the nominal sampling rate, but it uses the effective sampling rate to align Markers with EEG data.</a:t>
+            </a:r>
+          </a:p>
+          <a:p>
+            <a:r>
+              <a:rPr lang="en-US" dirty="0">
+                <a:latin typeface="Univers" panose="020B0503020202020204" pitchFamily="34" charset="0"/>
+              </a:rPr>
+              <a:t>File-&gt;History scripts is your friend! You can go in and tweak the loader if something is amiss.</a:t>
+            </a:r>
+            <a:endParaRPr lang="en-DE" dirty="0">
               <a:latin typeface="Univers" panose="020B0503020202020204" pitchFamily="34" charset="0"/>
-              <a:cs typeface="Courier New" panose="02070309020205020404" pitchFamily="49" charset="0"/>
             </a:endParaRPr>
           </a:p>
         </p:txBody>
@@ -4994,6 +5045,258 @@
         </p:nvPicPr>
         <p:blipFill>
           <a:blip r:embed="rId2">
+            <a:extLst>
+              <a:ext uri="{28A0092B-C50C-407E-A947-70E740481C1C}">
+                <a14:useLocalDpi xmlns:a14="http://schemas.microsoft.com/office/drawing/2010/main" val="0"/>
+              </a:ext>
+            </a:extLst>
+          </a:blip>
+          <a:stretch>
+            <a:fillRect/>
+          </a:stretch>
+        </p:blipFill>
+        <p:spPr>
+          <a:xfrm>
+            <a:off x="9909810" y="365125"/>
+            <a:ext cx="1443990" cy="1325563"/>
+          </a:xfrm>
+          <a:prstGeom prst="rect">
+            <a:avLst/>
+          </a:prstGeom>
+        </p:spPr>
+      </p:pic>
+    </p:spTree>
+    <p:extLst>
+      <p:ext uri="{BB962C8B-B14F-4D97-AF65-F5344CB8AC3E}">
+        <p14:creationId xmlns:p14="http://schemas.microsoft.com/office/powerpoint/2010/main" val="2088225397"/>
+      </p:ext>
+    </p:extLst>
+  </p:cSld>
+  <p:clrMapOvr>
+    <a:masterClrMapping/>
+  </p:clrMapOvr>
+</p:sld>
+</file>
+
+<file path=ppt/slides/slide15.xml><?xml version="1.0" encoding="utf-8"?>
+<p:sld xmlns:a="http://schemas.openxmlformats.org/drawingml/2006/main" xmlns:r="http://schemas.openxmlformats.org/officeDocument/2006/relationships" xmlns:p="http://schemas.openxmlformats.org/presentationml/2006/main">
+  <p:cSld>
+    <p:spTree>
+      <p:nvGrpSpPr>
+        <p:cNvPr id="1" name=""/>
+        <p:cNvGrpSpPr/>
+        <p:nvPr/>
+      </p:nvGrpSpPr>
+      <p:grpSpPr>
+        <a:xfrm>
+          <a:off x="0" y="0"/>
+          <a:ext cx="0" cy="0"/>
+          <a:chOff x="0" y="0"/>
+          <a:chExt cx="0" cy="0"/>
+        </a:xfrm>
+      </p:grpSpPr>
+      <p:sp>
+        <p:nvSpPr>
+          <p:cNvPr id="2" name="Title 1">
+            <a:extLst>
+              <a:ext uri="{FF2B5EF4-FFF2-40B4-BE49-F238E27FC236}">
+                <a16:creationId xmlns:a16="http://schemas.microsoft.com/office/drawing/2014/main" id="{B67D80A9-3352-49BD-8B13-67E5655619A8}"/>
+              </a:ext>
+            </a:extLst>
+          </p:cNvPr>
+          <p:cNvSpPr>
+            <a:spLocks noGrp="1"/>
+          </p:cNvSpPr>
+          <p:nvPr>
+            <p:ph type="title"/>
+          </p:nvPr>
+        </p:nvSpPr>
+        <p:spPr>
+          <a:xfrm>
+            <a:off x="838200" y="365125"/>
+            <a:ext cx="8957310" cy="1325563"/>
+          </a:xfrm>
+        </p:spPr>
+        <p:txBody>
+          <a:bodyPr/>
+          <a:lstStyle/>
+          <a:p>
+            <a:r>
+              <a:rPr lang="en-US" dirty="0"/>
+              <a:t>Links </a:t>
+            </a:r>
+            <a:endParaRPr lang="en-DE" dirty="0"/>
+          </a:p>
+        </p:txBody>
+      </p:sp>
+      <p:sp>
+        <p:nvSpPr>
+          <p:cNvPr id="3" name="Content Placeholder 2">
+            <a:extLst>
+              <a:ext uri="{FF2B5EF4-FFF2-40B4-BE49-F238E27FC236}">
+                <a16:creationId xmlns:a16="http://schemas.microsoft.com/office/drawing/2014/main" id="{117AA472-BE32-4274-AC6A-90CA53C6C9DD}"/>
+              </a:ext>
+            </a:extLst>
+          </p:cNvPr>
+          <p:cNvSpPr>
+            <a:spLocks noGrp="1"/>
+          </p:cNvSpPr>
+          <p:nvPr>
+            <p:ph idx="1"/>
+          </p:nvPr>
+        </p:nvSpPr>
+        <p:spPr>
+          <a:xfrm>
+            <a:off x="838200" y="1801562"/>
+            <a:ext cx="10515600" cy="4351338"/>
+          </a:xfrm>
+        </p:spPr>
+        <p:txBody>
+          <a:bodyPr>
+            <a:normAutofit/>
+          </a:bodyPr>
+          <a:lstStyle/>
+          <a:p>
+            <a:r>
+              <a:rPr lang="en-US" sz="2200" dirty="0">
+                <a:latin typeface="Univers" panose="020B0503020202020204" pitchFamily="34" charset="0"/>
+                <a:cs typeface="Courier New" panose="02070309020205020404" pitchFamily="49" charset="0"/>
+              </a:rPr>
+              <a:t>LSL on </a:t>
+            </a:r>
+            <a:r>
+              <a:rPr lang="en-US" sz="2200" dirty="0" err="1">
+                <a:latin typeface="Univers" panose="020B0503020202020204" pitchFamily="34" charset="0"/>
+                <a:cs typeface="Courier New" panose="02070309020205020404" pitchFamily="49" charset="0"/>
+              </a:rPr>
+              <a:t>github</a:t>
+            </a:r>
+            <a:r>
+              <a:rPr lang="en-US" sz="2200" dirty="0">
+                <a:latin typeface="Univers" panose="020B0503020202020204" pitchFamily="34" charset="0"/>
+                <a:cs typeface="Courier New" panose="02070309020205020404" pitchFamily="49" charset="0"/>
+              </a:rPr>
+              <a:t>: </a:t>
+            </a:r>
+            <a:r>
+              <a:rPr lang="en-US" sz="2200" dirty="0">
+                <a:latin typeface="Univers" panose="020B0503020202020204" pitchFamily="34" charset="0"/>
+                <a:cs typeface="Courier New" panose="02070309020205020404" pitchFamily="49" charset="0"/>
+                <a:hlinkClick r:id="rId2"/>
+              </a:rPr>
+              <a:t>https://github.com/sccn/labstreaminglayer</a:t>
+            </a:r>
+            <a:endParaRPr lang="en-US" sz="2200" dirty="0">
+              <a:latin typeface="Univers" panose="020B0503020202020204" pitchFamily="34" charset="0"/>
+              <a:cs typeface="Courier New" panose="02070309020205020404" pitchFamily="49" charset="0"/>
+            </a:endParaRPr>
+          </a:p>
+          <a:p>
+            <a:r>
+              <a:rPr lang="en-US" sz="2200" dirty="0">
+                <a:latin typeface="Univers" panose="020B0503020202020204" pitchFamily="34" charset="0"/>
+                <a:cs typeface="Courier New" panose="02070309020205020404" pitchFamily="49" charset="0"/>
+              </a:rPr>
+              <a:t>XDF on </a:t>
+            </a:r>
+            <a:r>
+              <a:rPr lang="en-US" sz="2200" dirty="0" err="1">
+                <a:latin typeface="Univers" panose="020B0503020202020204" pitchFamily="34" charset="0"/>
+                <a:cs typeface="Courier New" panose="02070309020205020404" pitchFamily="49" charset="0"/>
+              </a:rPr>
+              <a:t>github</a:t>
+            </a:r>
+            <a:r>
+              <a:rPr lang="en-US" sz="2200" dirty="0">
+                <a:latin typeface="Univers" panose="020B0503020202020204" pitchFamily="34" charset="0"/>
+                <a:cs typeface="Courier New" panose="02070309020205020404" pitchFamily="49" charset="0"/>
+              </a:rPr>
+              <a:t>: </a:t>
+            </a:r>
+            <a:r>
+              <a:rPr lang="en-US" sz="2200" dirty="0">
+                <a:latin typeface="Univers" panose="020B0503020202020204" pitchFamily="34" charset="0"/>
+                <a:cs typeface="Courier New" panose="02070309020205020404" pitchFamily="49" charset="0"/>
+                <a:hlinkClick r:id="rId3"/>
+              </a:rPr>
+              <a:t>https://github.com/sccn/xdf</a:t>
+            </a:r>
+            <a:endParaRPr lang="en-US" sz="2200" dirty="0">
+              <a:latin typeface="Univers" panose="020B0503020202020204" pitchFamily="34" charset="0"/>
+              <a:cs typeface="Courier New" panose="02070309020205020404" pitchFamily="49" charset="0"/>
+            </a:endParaRPr>
+          </a:p>
+          <a:p>
+            <a:r>
+              <a:rPr lang="en-US" sz="2200" dirty="0">
+                <a:latin typeface="Univers" panose="020B0503020202020204" pitchFamily="34" charset="0"/>
+                <a:cs typeface="Courier New" panose="02070309020205020404" pitchFamily="49" charset="0"/>
+              </a:rPr>
+              <a:t>All material from this presentation including code, data, and analysis scripts is available on </a:t>
+            </a:r>
+            <a:r>
+              <a:rPr lang="en-US" sz="2200" dirty="0" err="1">
+                <a:latin typeface="Univers" panose="020B0503020202020204" pitchFamily="34" charset="0"/>
+                <a:cs typeface="Courier New" panose="02070309020205020404" pitchFamily="49" charset="0"/>
+              </a:rPr>
+              <a:t>github</a:t>
+            </a:r>
+            <a:r>
+              <a:rPr lang="en-US" sz="2200" dirty="0">
+                <a:latin typeface="Univers" panose="020B0503020202020204" pitchFamily="34" charset="0"/>
+                <a:cs typeface="Courier New" panose="02070309020205020404" pitchFamily="49" charset="0"/>
+              </a:rPr>
+              <a:t>: https://github.com/Diademics-Pty-Ltd/EEGLABWorkshop2021</a:t>
+            </a:r>
+          </a:p>
+          <a:p>
+            <a:r>
+              <a:rPr lang="en-US" sz="2200" dirty="0">
+                <a:latin typeface="Univers" panose="020B0503020202020204" pitchFamily="34" charset="0"/>
+                <a:cs typeface="Courier New" panose="02070309020205020404" pitchFamily="49" charset="0"/>
+              </a:rPr>
+              <a:t>Clement is also uploading everyone’s slides---but I don’t know where?</a:t>
+            </a:r>
+          </a:p>
+          <a:p>
+            <a:r>
+              <a:rPr lang="en-US" sz="2200" dirty="0">
+                <a:latin typeface="Univers" panose="020B0503020202020204" pitchFamily="34" charset="0"/>
+                <a:cs typeface="Courier New" panose="02070309020205020404" pitchFamily="49" charset="0"/>
+              </a:rPr>
+              <a:t>My website: </a:t>
+            </a:r>
+            <a:r>
+              <a:rPr lang="en-US" sz="2200" dirty="0">
+                <a:latin typeface="Univers" panose="020B0503020202020204" pitchFamily="34" charset="0"/>
+                <a:cs typeface="Courier New" panose="02070309020205020404" pitchFamily="49" charset="0"/>
+                <a:hlinkClick r:id="rId4"/>
+              </a:rPr>
+              <a:t>www.diademics.com</a:t>
+            </a:r>
+            <a:endParaRPr lang="en-DE" sz="2200" dirty="0">
+              <a:latin typeface="Univers" panose="020B0503020202020204" pitchFamily="34" charset="0"/>
+              <a:cs typeface="Courier New" panose="02070309020205020404" pitchFamily="49" charset="0"/>
+            </a:endParaRPr>
+          </a:p>
+        </p:txBody>
+      </p:sp>
+      <p:pic>
+        <p:nvPicPr>
+          <p:cNvPr id="5" name="Picture 4" descr="A picture containing text, sign, outdoor, close&#10;&#10;Description automatically generated">
+            <a:extLst>
+              <a:ext uri="{FF2B5EF4-FFF2-40B4-BE49-F238E27FC236}">
+                <a16:creationId xmlns:a16="http://schemas.microsoft.com/office/drawing/2014/main" id="{47842863-62C2-468D-BC9B-637CD0603B00}"/>
+              </a:ext>
+            </a:extLst>
+          </p:cNvPr>
+          <p:cNvPicPr>
+            <a:picLocks noChangeAspect="1"/>
+          </p:cNvPicPr>
+          <p:nvPr/>
+        </p:nvPicPr>
+        <p:blipFill>
+          <a:blip r:embed="rId5">
             <a:extLst>
               <a:ext uri="{28A0092B-C50C-407E-A947-70E740481C1C}">
                 <a14:useLocalDpi xmlns:a14="http://schemas.microsoft.com/office/drawing/2010/main" val="0"/>
@@ -5027,7 +5330,7 @@
 </p:sld>
 </file>
 
-<file path=ppt/slides/slide15.xml><?xml version="1.0" encoding="utf-8"?>
+<file path=ppt/slides/slide16.xml><?xml version="1.0" encoding="utf-8"?>
 <p:sld xmlns:a="http://schemas.openxmlformats.org/drawingml/2006/main" xmlns:r="http://schemas.openxmlformats.org/officeDocument/2006/relationships" xmlns:p="http://schemas.openxmlformats.org/presentationml/2006/main">
   <p:cSld>
     <p:spTree>
@@ -5044,6 +5347,110 @@
           <a:chExt cx="0" cy="0"/>
         </a:xfrm>
       </p:grpSpPr>
+      <p:pic>
+        <p:nvPicPr>
+          <p:cNvPr id="5" name="Picture 4" descr="Text&#10;&#10;Description automatically generated">
+            <a:extLst>
+              <a:ext uri="{FF2B5EF4-FFF2-40B4-BE49-F238E27FC236}">
+                <a16:creationId xmlns:a16="http://schemas.microsoft.com/office/drawing/2014/main" id="{FFA26165-E91B-4DDB-AD47-A65F155B3040}"/>
+              </a:ext>
+            </a:extLst>
+          </p:cNvPr>
+          <p:cNvPicPr>
+            <a:picLocks noChangeAspect="1"/>
+          </p:cNvPicPr>
+          <p:nvPr/>
+        </p:nvPicPr>
+        <p:blipFill>
+          <a:blip r:embed="rId2">
+            <a:extLst>
+              <a:ext uri="{28A0092B-C50C-407E-A947-70E740481C1C}">
+                <a14:useLocalDpi xmlns:a14="http://schemas.microsoft.com/office/drawing/2010/main" val="0"/>
+              </a:ext>
+            </a:extLst>
+          </a:blip>
+          <a:stretch>
+            <a:fillRect/>
+          </a:stretch>
+        </p:blipFill>
+        <p:spPr>
+          <a:xfrm>
+            <a:off x="0" y="965969"/>
+            <a:ext cx="12192000" cy="4926061"/>
+          </a:xfrm>
+          <a:prstGeom prst="rect">
+            <a:avLst/>
+          </a:prstGeom>
+        </p:spPr>
+      </p:pic>
+      <p:sp>
+        <p:nvSpPr>
+          <p:cNvPr id="6" name="TextBox 5">
+            <a:extLst>
+              <a:ext uri="{FF2B5EF4-FFF2-40B4-BE49-F238E27FC236}">
+                <a16:creationId xmlns:a16="http://schemas.microsoft.com/office/drawing/2014/main" id="{52409A68-5D82-41AF-B8E2-188D3C3F60AA}"/>
+              </a:ext>
+            </a:extLst>
+          </p:cNvPr>
+          <p:cNvSpPr txBox="1"/>
+          <p:nvPr/>
+        </p:nvSpPr>
+        <p:spPr>
+          <a:xfrm>
+            <a:off x="130394" y="6236778"/>
+            <a:ext cx="3589316" cy="369332"/>
+          </a:xfrm>
+          <a:prstGeom prst="rect">
+            <a:avLst/>
+          </a:prstGeom>
+          <a:noFill/>
+        </p:spPr>
+        <p:txBody>
+          <a:bodyPr wrap="none" rtlCol="0">
+            <a:spAutoFit/>
+          </a:bodyPr>
+          <a:lstStyle/>
+          <a:p>
+            <a:r>
+              <a:rPr lang="en-AU" dirty="0">
+                <a:hlinkClick r:id="rId3"/>
+              </a:rPr>
+              <a:t>http://www.diademics.com/#events</a:t>
+            </a:r>
+            <a:endParaRPr lang="en-AU" dirty="0"/>
+          </a:p>
+        </p:txBody>
+      </p:sp>
+    </p:spTree>
+    <p:extLst>
+      <p:ext uri="{BB962C8B-B14F-4D97-AF65-F5344CB8AC3E}">
+        <p14:creationId xmlns:p14="http://schemas.microsoft.com/office/powerpoint/2010/main" val="2290681728"/>
+      </p:ext>
+    </p:extLst>
+  </p:cSld>
+  <p:clrMapOvr>
+    <a:masterClrMapping/>
+  </p:clrMapOvr>
+</p:sld>
+</file>
+
+<file path=ppt/slides/slide17.xml><?xml version="1.0" encoding="utf-8"?>
+<p:sld xmlns:a="http://schemas.openxmlformats.org/drawingml/2006/main" xmlns:r="http://schemas.openxmlformats.org/officeDocument/2006/relationships" xmlns:p="http://schemas.openxmlformats.org/presentationml/2006/main">
+  <p:cSld>
+    <p:spTree>
+      <p:nvGrpSpPr>
+        <p:cNvPr id="1" name=""/>
+        <p:cNvGrpSpPr/>
+        <p:nvPr/>
+      </p:nvGrpSpPr>
+      <p:grpSpPr>
+        <a:xfrm>
+          <a:off x="0" y="0"/>
+          <a:ext cx="0" cy="0"/>
+          <a:chOff x="0" y="0"/>
+          <a:chExt cx="0" cy="0"/>
+        </a:xfrm>
+      </p:grpSpPr>
       <p:sp>
         <p:nvSpPr>
           <p:cNvPr id="2" name="Title 1">
@@ -5072,90 +5479,9 @@
           <a:p>
             <a:r>
               <a:rPr lang="en-US" dirty="0"/>
-              <a:t>A Note on EEGLAB and XDF</a:t>
+              <a:t>The End</a:t>
             </a:r>
             <a:endParaRPr lang="en-DE" dirty="0"/>
-          </a:p>
-        </p:txBody>
-      </p:sp>
-      <p:sp>
-        <p:nvSpPr>
-          <p:cNvPr id="3" name="Content Placeholder 2">
-            <a:extLst>
-              <a:ext uri="{FF2B5EF4-FFF2-40B4-BE49-F238E27FC236}">
-                <a16:creationId xmlns:a16="http://schemas.microsoft.com/office/drawing/2014/main" id="{117AA472-BE32-4274-AC6A-90CA53C6C9DD}"/>
-              </a:ext>
-            </a:extLst>
-          </p:cNvPr>
-          <p:cNvSpPr>
-            <a:spLocks noGrp="1"/>
-          </p:cNvSpPr>
-          <p:nvPr>
-            <p:ph idx="1"/>
-          </p:nvPr>
-        </p:nvSpPr>
-        <p:spPr/>
-        <p:txBody>
-          <a:bodyPr/>
-          <a:lstStyle/>
-          <a:p>
-            <a:r>
-              <a:rPr lang="en-US" dirty="0">
-                <a:latin typeface="Univers" panose="020B0503020202020204" pitchFamily="34" charset="0"/>
-              </a:rPr>
-              <a:t>EEGLAB does not ship with an XDF reader, but it is a downloadable extension (File-&gt;Manage EEGLAB extensions-&gt;Search for ‘</a:t>
-            </a:r>
-            <a:r>
-              <a:rPr lang="en-US" dirty="0" err="1">
-                <a:latin typeface="Univers" panose="020B0503020202020204" pitchFamily="34" charset="0"/>
-              </a:rPr>
-              <a:t>xdfimport</a:t>
-            </a:r>
-            <a:r>
-              <a:rPr lang="en-US" dirty="0">
-                <a:latin typeface="Univers" panose="020B0503020202020204" pitchFamily="34" charset="0"/>
-              </a:rPr>
-              <a:t>’)</a:t>
-            </a:r>
-          </a:p>
-          <a:p>
-            <a:r>
-              <a:rPr lang="en-US" dirty="0" err="1">
-                <a:latin typeface="Univers" panose="020B0503020202020204" pitchFamily="34" charset="0"/>
-              </a:rPr>
-              <a:t>XDFImport</a:t>
-            </a:r>
-            <a:r>
-              <a:rPr lang="en-US" dirty="0">
-                <a:latin typeface="Univers" panose="020B0503020202020204" pitchFamily="34" charset="0"/>
-              </a:rPr>
-              <a:t> only loads EEG and Marker streams and will arbitrarily choose one EEG stream in the case of multiple EEG streams in one file.</a:t>
-            </a:r>
-          </a:p>
-          <a:p>
-            <a:r>
-              <a:rPr lang="en-US" dirty="0" err="1">
-                <a:latin typeface="Univers" panose="020B0503020202020204" pitchFamily="34" charset="0"/>
-              </a:rPr>
-              <a:t>XDFImport</a:t>
-            </a:r>
-            <a:r>
-              <a:rPr lang="en-US" dirty="0">
-                <a:latin typeface="Univers" panose="020B0503020202020204" pitchFamily="34" charset="0"/>
-              </a:rPr>
-              <a:t> keeps the nominal sampling rate, but it uses the effective sampling rate to align Markers with EEG data.</a:t>
-            </a:r>
-          </a:p>
-          <a:p>
-            <a:r>
-              <a:rPr lang="en-US" dirty="0">
-                <a:latin typeface="Univers" panose="020B0503020202020204" pitchFamily="34" charset="0"/>
-              </a:rPr>
-              <a:t>File-&gt;History scripts is your friend! You can go in and tweak the loader if something is amiss.</a:t>
-            </a:r>
-            <a:endParaRPr lang="en-DE" dirty="0">
-              <a:latin typeface="Univers" panose="020B0503020202020204" pitchFamily="34" charset="0"/>
-            </a:endParaRPr>
           </a:p>
         </p:txBody>
       </p:sp>
@@ -5195,10 +5521,95 @@
           </a:prstGeom>
         </p:spPr>
       </p:pic>
+      <p:sp>
+        <p:nvSpPr>
+          <p:cNvPr id="8" name="TextBox 7">
+            <a:extLst>
+              <a:ext uri="{FF2B5EF4-FFF2-40B4-BE49-F238E27FC236}">
+                <a16:creationId xmlns:a16="http://schemas.microsoft.com/office/drawing/2014/main" id="{1A4A0D82-3880-42C8-9408-C03384B67003}"/>
+              </a:ext>
+            </a:extLst>
+          </p:cNvPr>
+          <p:cNvSpPr txBox="1"/>
+          <p:nvPr/>
+        </p:nvSpPr>
+        <p:spPr>
+          <a:xfrm>
+            <a:off x="6840000" y="6308209"/>
+            <a:ext cx="4513800" cy="369332"/>
+          </a:xfrm>
+          <a:prstGeom prst="rect">
+            <a:avLst/>
+          </a:prstGeom>
+          <a:noFill/>
+        </p:spPr>
+        <p:txBody>
+          <a:bodyPr wrap="none" rtlCol="0">
+            <a:spAutoFit/>
+          </a:bodyPr>
+          <a:lstStyle/>
+          <a:p>
+            <a:r>
+              <a:rPr lang="en-US" dirty="0"/>
+              <a:t>All material Copyright </a:t>
+            </a:r>
+            <a:r>
+              <a:rPr lang="en-US" dirty="0" err="1"/>
+              <a:t>Diademics</a:t>
+            </a:r>
+            <a:r>
+              <a:rPr lang="en-US" dirty="0"/>
+              <a:t> Pty Ltd, 2021</a:t>
+            </a:r>
+            <a:endParaRPr lang="en-AU" dirty="0"/>
+          </a:p>
+        </p:txBody>
+      </p:sp>
+      <p:sp>
+        <p:nvSpPr>
+          <p:cNvPr id="9" name="TextBox 8">
+            <a:extLst>
+              <a:ext uri="{FF2B5EF4-FFF2-40B4-BE49-F238E27FC236}">
+                <a16:creationId xmlns:a16="http://schemas.microsoft.com/office/drawing/2014/main" id="{44674E95-A3A8-49A5-8DD6-08EAC345CF8A}"/>
+              </a:ext>
+            </a:extLst>
+          </p:cNvPr>
+          <p:cNvSpPr txBox="1"/>
+          <p:nvPr/>
+        </p:nvSpPr>
+        <p:spPr>
+          <a:xfrm>
+            <a:off x="2727158" y="2828835"/>
+            <a:ext cx="6737684" cy="1200329"/>
+          </a:xfrm>
+          <a:prstGeom prst="rect">
+            <a:avLst/>
+          </a:prstGeom>
+          <a:noFill/>
+        </p:spPr>
+        <p:txBody>
+          <a:bodyPr wrap="square" rtlCol="0">
+            <a:spAutoFit/>
+          </a:bodyPr>
+          <a:lstStyle/>
+          <a:p>
+            <a:pPr algn="ctr"/>
+            <a:r>
+              <a:rPr lang="en-US" sz="7200" dirty="0">
+                <a:latin typeface="Univers" panose="020B0503020202020204" pitchFamily="34" charset="0"/>
+              </a:rPr>
+              <a:t>Thank you!</a:t>
+            </a:r>
+            <a:endParaRPr lang="en-AU" sz="7200" dirty="0">
+              <a:latin typeface="Univers" panose="020B0503020202020204" pitchFamily="34" charset="0"/>
+            </a:endParaRPr>
+          </a:p>
+        </p:txBody>
+      </p:sp>
     </p:spTree>
     <p:extLst>
       <p:ext uri="{BB962C8B-B14F-4D97-AF65-F5344CB8AC3E}">
-        <p14:creationId xmlns:p14="http://schemas.microsoft.com/office/powerpoint/2010/main" val="2088225397"/>
+        <p14:creationId xmlns:p14="http://schemas.microsoft.com/office/powerpoint/2010/main" val="1603974420"/>
       </p:ext>
     </p:extLst>
   </p:cSld>

--- a/20210615-EEGLAB_workshop.pptx
+++ b/20210615-EEGLAB_workshop.pptx
@@ -4520,10 +4520,10 @@
       </p:pic>
       <p:pic>
         <p:nvPicPr>
-          <p:cNvPr id="6" name="Picture 5" descr="Diagram&#10;&#10;Description automatically generated">
-            <a:extLst>
-              <a:ext uri="{FF2B5EF4-FFF2-40B4-BE49-F238E27FC236}">
-                <a16:creationId xmlns:a16="http://schemas.microsoft.com/office/drawing/2014/main" id="{32316C95-D659-4E49-A19A-8476B4E49EDC}"/>
+          <p:cNvPr id="7" name="Picture 6" descr="Diagram&#10;&#10;Description automatically generated">
+            <a:extLst>
+              <a:ext uri="{FF2B5EF4-FFF2-40B4-BE49-F238E27FC236}">
+                <a16:creationId xmlns:a16="http://schemas.microsoft.com/office/drawing/2014/main" id="{7710443F-983D-4661-857D-343F5A5BE152}"/>
               </a:ext>
             </a:extLst>
           </p:cNvPr>
@@ -4546,8 +4546,8 @@
         </p:blipFill>
         <p:spPr>
           <a:xfrm>
-            <a:off x="5229726" y="1690688"/>
-            <a:ext cx="6486157" cy="4005080"/>
+            <a:off x="5094515" y="1825625"/>
+            <a:ext cx="6799368" cy="3600042"/>
           </a:xfrm>
           <a:prstGeom prst="rect">
             <a:avLst/>
@@ -5246,31 +5246,43 @@
                 <a:latin typeface="Univers" panose="020B0503020202020204" pitchFamily="34" charset="0"/>
                 <a:cs typeface="Courier New" panose="02070309020205020404" pitchFamily="49" charset="0"/>
               </a:rPr>
-              <a:t>: https://github.com/Diademics-Pty-Ltd/EEGLABWorkshop2021</a:t>
-            </a:r>
-          </a:p>
-          <a:p>
-            <a:r>
-              <a:rPr lang="en-US" sz="2200" dirty="0">
-                <a:latin typeface="Univers" panose="020B0503020202020204" pitchFamily="34" charset="0"/>
-                <a:cs typeface="Courier New" panose="02070309020205020404" pitchFamily="49" charset="0"/>
-              </a:rPr>
-              <a:t>Clement is also uploading everyone’s slides---but I don’t know where?</a:t>
-            </a:r>
-          </a:p>
-          <a:p>
-            <a:r>
-              <a:rPr lang="en-US" sz="2200" dirty="0">
-                <a:latin typeface="Univers" panose="020B0503020202020204" pitchFamily="34" charset="0"/>
-                <a:cs typeface="Courier New" panose="02070309020205020404" pitchFamily="49" charset="0"/>
-              </a:rPr>
-              <a:t>My website: </a:t>
+              <a:t>: </a:t>
             </a:r>
             <a:r>
               <a:rPr lang="en-US" sz="2200" dirty="0">
                 <a:latin typeface="Univers" panose="020B0503020202020204" pitchFamily="34" charset="0"/>
                 <a:cs typeface="Courier New" panose="02070309020205020404" pitchFamily="49" charset="0"/>
                 <a:hlinkClick r:id="rId4"/>
+              </a:rPr>
+              <a:t>https://github.com/Diademics-Pty-Ltd/EEGLABWorkshop2021</a:t>
+            </a:r>
+            <a:endParaRPr lang="en-US" sz="2200" dirty="0">
+              <a:latin typeface="Univers" panose="020B0503020202020204" pitchFamily="34" charset="0"/>
+              <a:cs typeface="Courier New" panose="02070309020205020404" pitchFamily="49" charset="0"/>
+            </a:endParaRPr>
+          </a:p>
+          <a:p>
+            <a:r>
+              <a:rPr lang="en-US" sz="2200" dirty="0">
+                <a:latin typeface="Univers" panose="020B0503020202020204" pitchFamily="34" charset="0"/>
+                <a:cs typeface="Courier New" panose="02070309020205020404" pitchFamily="49" charset="0"/>
+              </a:rPr>
+              <a:t>Clement is also uploading everyone’s slides---but I don’t know where?</a:t>
+            </a:r>
+          </a:p>
+          <a:p>
+            <a:r>
+              <a:rPr lang="en-US" sz="2200" dirty="0">
+                <a:latin typeface="Univers" panose="020B0503020202020204" pitchFamily="34" charset="0"/>
+                <a:cs typeface="Courier New" panose="02070309020205020404" pitchFamily="49" charset="0"/>
+              </a:rPr>
+              <a:t>My website: </a:t>
+            </a:r>
+            <a:r>
+              <a:rPr lang="en-US" sz="2200" dirty="0">
+                <a:latin typeface="Univers" panose="020B0503020202020204" pitchFamily="34" charset="0"/>
+                <a:cs typeface="Courier New" panose="02070309020205020404" pitchFamily="49" charset="0"/>
+                <a:hlinkClick r:id="rId5"/>
               </a:rPr>
               <a:t>www.diademics.com</a:t>
             </a:r>
@@ -5296,7 +5308,7 @@
           <p:nvPr/>
         </p:nvPicPr>
         <p:blipFill>
-          <a:blip r:embed="rId5">
+          <a:blip r:embed="rId6">
             <a:extLst>
               <a:ext uri="{28A0092B-C50C-407E-A947-70E740481C1C}">
                 <a14:useLocalDpi xmlns:a14="http://schemas.microsoft.com/office/drawing/2010/main" val="0"/>
@@ -5947,7 +5959,7 @@
         </p:spPr>
         <p:txBody>
           <a:bodyPr>
-            <a:normAutofit lnSpcReduction="10000"/>
+            <a:normAutofit fontScale="92500"/>
           </a:bodyPr>
           <a:lstStyle/>
           <a:p>
@@ -5967,7 +5979,7 @@
               <a:rPr lang="en-US" dirty="0">
                 <a:latin typeface="Univers" panose="020B0503020202020204" pitchFamily="34" charset="0"/>
               </a:rPr>
-              <a:t>  the local timestamps at record time</a:t>
+              <a:t>  the local timestamps when those measurements are taken.</a:t>
             </a:r>
             <a:endParaRPr lang="en-US" dirty="0">
               <a:latin typeface="Univers" panose="020B0503020202020204" pitchFamily="34" charset="0"/>
@@ -6092,10 +6104,10 @@
       </p:pic>
       <p:pic>
         <p:nvPicPr>
-          <p:cNvPr id="6" name="Picture 5" descr="Diagram&#10;&#10;Description automatically generated">
-            <a:extLst>
-              <a:ext uri="{FF2B5EF4-FFF2-40B4-BE49-F238E27FC236}">
-                <a16:creationId xmlns:a16="http://schemas.microsoft.com/office/drawing/2014/main" id="{FABC475D-412D-4BB7-A21D-778CB35234AD}"/>
+          <p:cNvPr id="7" name="Picture 6" descr="Diagram&#10;&#10;Description automatically generated">
+            <a:extLst>
+              <a:ext uri="{FF2B5EF4-FFF2-40B4-BE49-F238E27FC236}">
+                <a16:creationId xmlns:a16="http://schemas.microsoft.com/office/drawing/2014/main" id="{9ABF71D2-4619-4235-947E-C9C2FD5B584E}"/>
               </a:ext>
             </a:extLst>
           </p:cNvPr>
@@ -6118,8 +6130,8 @@
         </p:blipFill>
         <p:spPr>
           <a:xfrm>
-            <a:off x="431663" y="2386812"/>
-            <a:ext cx="2401829" cy="3389383"/>
+            <a:off x="510075" y="2175537"/>
+            <a:ext cx="2569028" cy="2506926"/>
           </a:xfrm>
           <a:prstGeom prst="rect">
             <a:avLst/>
@@ -6251,7 +6263,7 @@
               <a:rPr lang="en-US" dirty="0">
                 <a:latin typeface="Univers" panose="020B0503020202020204" pitchFamily="34" charset="0"/>
               </a:rPr>
-              <a:t> to measure clock differences between PCs</a:t>
+              <a:t> to measure clock differences between PCs for each stream</a:t>
             </a:r>
           </a:p>
           <a:p>
@@ -6261,29 +6273,6 @@
                 <a:latin typeface="Univers" panose="020B0503020202020204" pitchFamily="34" charset="0"/>
               </a:rPr>
               <a:t>The default is to do this every 5s</a:t>
-            </a:r>
-          </a:p>
-          <a:p>
-            <a:pPr lvl="1"/>
-            <a:r>
-              <a:rPr lang="en-US" dirty="0" err="1">
-                <a:latin typeface="Courier New" panose="02070309020205020404" pitchFamily="49" charset="0"/>
-                <a:cs typeface="Courier New" panose="02070309020205020404" pitchFamily="49" charset="0"/>
-              </a:rPr>
-              <a:t>time_correction</a:t>
-            </a:r>
-            <a:r>
-              <a:rPr lang="en-US" dirty="0">
-                <a:latin typeface="Courier New" panose="02070309020205020404" pitchFamily="49" charset="0"/>
-                <a:cs typeface="Courier New" panose="02070309020205020404" pitchFamily="49" charset="0"/>
-              </a:rPr>
-              <a:t>() </a:t>
-            </a:r>
-            <a:r>
-              <a:rPr lang="en-US" dirty="0">
-                <a:latin typeface="Univers" panose="020B0503020202020204" pitchFamily="34" charset="0"/>
-              </a:rPr>
-              <a:t>computes the clock offsets for each stream being recorded </a:t>
             </a:r>
           </a:p>
           <a:p>
@@ -6791,7 +6780,7 @@
               <a:rPr lang="en-US" dirty="0">
                 <a:latin typeface="Univers" panose="020B0503020202020204" pitchFamily="34" charset="0"/>
               </a:rPr>
-              <a:t> Using record times and clock offsets, XDF loaders have all the information they need to remap timestamps from device host PCs to a unified Recording PC </a:t>
+              <a:t> Using record times and clock offsets, XDF loaders have all the information they need to remap timestamps from device host PCs to a Recording PC’s </a:t>
             </a:r>
             <a:r>
               <a:rPr lang="en-US" dirty="0" err="1">
@@ -6888,7 +6877,7 @@
               <a:rPr lang="en-US" dirty="0">
                 <a:latin typeface="Univers" panose="020B0503020202020204" pitchFamily="34" charset="0"/>
               </a:rPr>
-              <a:t>This map is then applied to the timestamps from each stream to and thus synchronizes the data</a:t>
+              <a:t>This map is then applied to the timestamps from each stream to thus synchronizes the data</a:t>
             </a:r>
           </a:p>
         </p:txBody>
@@ -7827,15 +7816,23 @@
             </a:r>
             <a:r>
               <a:rPr lang="en-US" dirty="0" err="1">
-                <a:latin typeface="Univers" panose="020B0503020202020204" pitchFamily="34" charset="0"/>
+                <a:latin typeface="Courier New" panose="02070309020205020404" pitchFamily="49" charset="0"/>
+                <a:cs typeface="Courier New" panose="02070309020205020404" pitchFamily="49" charset="0"/>
               </a:rPr>
               <a:t>time_correction</a:t>
             </a:r>
             <a:r>
               <a:rPr lang="en-US" dirty="0">
-                <a:latin typeface="Univers" panose="020B0503020202020204" pitchFamily="34" charset="0"/>
-              </a:rPr>
-              <a:t>(), the algorithm that corrects clock offsets will produce terrible results.</a:t>
+                <a:latin typeface="Courier New" panose="02070309020205020404" pitchFamily="49" charset="0"/>
+                <a:cs typeface="Courier New" panose="02070309020205020404" pitchFamily="49" charset="0"/>
+              </a:rPr>
+              <a:t>()</a:t>
+            </a:r>
+            <a:r>
+              <a:rPr lang="en-US" dirty="0">
+                <a:latin typeface="Univers" panose="020B0503020202020204" pitchFamily="34" charset="0"/>
+              </a:rPr>
+              <a:t>, the algorithm that corrects clock offsets will produce terrible results.</a:t>
             </a:r>
           </a:p>
           <a:p>
